--- a/img/mac.pptx
+++ b/img/mac.pptx
@@ -151,7 +151,7 @@
       </p14:sectionLst>
     </p:ext>
     <p:ext uri="{EFAFB233-063F-42B5-8137-9DF3F51BA10A}">
-      <p15:sldGuideLst xmlns:p15="http://schemas.microsoft.com/office/powerpoint/2012/main" xmlns="">
+      <p15:sldGuideLst xmlns="" xmlns:p15="http://schemas.microsoft.com/office/powerpoint/2012/main">
         <p15:guide id="1" orient="horz" pos="2160">
           <p15:clr>
             <a:srgbClr val="A4A3A4"/>
@@ -165,7 +165,7 @@
       </p15:sldGuideLst>
     </p:ext>
     <p:ext uri="{2D200454-40CA-4A62-9FC3-DE9A4176ACB9}">
-      <p15:notesGuideLst xmlns:p15="http://schemas.microsoft.com/office/powerpoint/2012/main" xmlns="">
+      <p15:notesGuideLst xmlns="" xmlns:p15="http://schemas.microsoft.com/office/powerpoint/2012/main">
         <p15:guide id="1" orient="horz" pos="3223">
           <p15:clr>
             <a:srgbClr val="A4A3A4"/>
@@ -1959,7 +1959,7 @@
             </p:nvSpPr>
             <p:spPr>
               <a:xfrm>
-                <a:off x="998031" y="2676238"/>
+                <a:off x="998031" y="2481851"/>
                 <a:ext cx="237584" cy="228183"/>
               </a:xfrm>
               <a:prstGeom prst="rect">
@@ -1977,6 +1977,7 @@
               </a:bodyPr>
               <a:lstStyle/>
               <a:p>
+                <a:pPr/>
                 <a14:m>
                   <m:oMathPara xmlns:m="http://schemas.openxmlformats.org/officeDocument/2006/math">
                     <m:oMathParaPr>
@@ -2014,7 +2015,7 @@
             </p:nvSpPr>
             <p:spPr>
               <a:xfrm>
-                <a:off x="998031" y="2676238"/>
+                <a:off x="998031" y="2481851"/>
                 <a:ext cx="237584" cy="228183"/>
               </a:xfrm>
               <a:prstGeom prst="rect">
@@ -2046,8 +2047,8 @@
           </p:sp>
         </mc:Fallback>
       </mc:AlternateContent>
-      <mc:AlternateContent xmlns:mc="http://schemas.openxmlformats.org/markup-compatibility/2006">
-        <mc:Choice xmlns:a14="http://schemas.microsoft.com/office/drawing/2010/main" Requires="a14">
+      <mc:AlternateContent xmlns:mc="http://schemas.openxmlformats.org/markup-compatibility/2006" xmlns:a14="http://schemas.microsoft.com/office/drawing/2010/main">
+        <mc:Choice Requires="a14">
           <p:sp>
             <p:nvSpPr>
               <p:cNvPr id="77" name="テキスト ボックス 76"/>
@@ -2111,7 +2112,7 @@
             </p:txBody>
           </p:sp>
         </mc:Choice>
-        <mc:Fallback>
+        <mc:Fallback xmlns="">
           <p:sp>
             <p:nvSpPr>
               <p:cNvPr id="77" name="テキスト ボックス 76"/>
@@ -2154,8 +2155,8 @@
           </p:sp>
         </mc:Fallback>
       </mc:AlternateContent>
-      <mc:AlternateContent xmlns:mc="http://schemas.openxmlformats.org/markup-compatibility/2006">
-        <mc:Choice xmlns:a14="http://schemas.microsoft.com/office/drawing/2010/main" Requires="a14">
+      <mc:AlternateContent xmlns:mc="http://schemas.openxmlformats.org/markup-compatibility/2006" xmlns:a14="http://schemas.microsoft.com/office/drawing/2010/main">
+        <mc:Choice Requires="a14">
           <p:sp>
             <p:nvSpPr>
               <p:cNvPr id="125" name="フローチャート : 書類 124"/>
@@ -2225,7 +2226,7 @@
             </p:txBody>
           </p:sp>
         </mc:Choice>
-        <mc:Fallback>
+        <mc:Fallback xmlns="">
           <p:sp>
             <p:nvSpPr>
               <p:cNvPr id="125" name="フローチャート : 書類 124"/>
@@ -2269,8 +2270,8 @@
           </p:sp>
         </mc:Fallback>
       </mc:AlternateContent>
-      <mc:AlternateContent xmlns:mc="http://schemas.openxmlformats.org/markup-compatibility/2006">
-        <mc:Choice xmlns:a14="http://schemas.microsoft.com/office/drawing/2010/main" Requires="a14">
+      <mc:AlternateContent xmlns:mc="http://schemas.openxmlformats.org/markup-compatibility/2006" xmlns:a14="http://schemas.microsoft.com/office/drawing/2010/main">
+        <mc:Choice Requires="a14">
           <p:sp>
             <p:nvSpPr>
               <p:cNvPr id="127" name="テキスト ボックス 126"/>
@@ -2297,6 +2298,7 @@
               </a:bodyPr>
               <a:lstStyle/>
               <a:p>
+                <a:pPr/>
                 <a14:m>
                   <m:oMathPara xmlns:m="http://schemas.openxmlformats.org/officeDocument/2006/math">
                     <m:oMathParaPr>
@@ -2323,7 +2325,7 @@
             </p:txBody>
           </p:sp>
         </mc:Choice>
-        <mc:Fallback>
+        <mc:Fallback xmlns="">
           <p:sp>
             <p:nvSpPr>
               <p:cNvPr id="127" name="テキスト ボックス 126"/>
@@ -2366,8 +2368,8 @@
           </p:sp>
         </mc:Fallback>
       </mc:AlternateContent>
-      <mc:AlternateContent xmlns:mc="http://schemas.openxmlformats.org/markup-compatibility/2006">
-        <mc:Choice xmlns:a14="http://schemas.microsoft.com/office/drawing/2010/main" Requires="a14">
+      <mc:AlternateContent xmlns:mc="http://schemas.openxmlformats.org/markup-compatibility/2006" xmlns:a14="http://schemas.microsoft.com/office/drawing/2010/main">
+        <mc:Choice Requires="a14">
           <p:sp>
             <p:nvSpPr>
               <p:cNvPr id="128" name="フローチャート : 書類 127"/>
@@ -2437,7 +2439,7 @@
             </p:txBody>
           </p:sp>
         </mc:Choice>
-        <mc:Fallback>
+        <mc:Fallback xmlns="">
           <p:sp>
             <p:nvSpPr>
               <p:cNvPr id="128" name="フローチャート : 書類 127"/>
@@ -2481,8 +2483,8 @@
           </p:sp>
         </mc:Fallback>
       </mc:AlternateContent>
-      <mc:AlternateContent xmlns:mc="http://schemas.openxmlformats.org/markup-compatibility/2006">
-        <mc:Choice xmlns:a14="http://schemas.microsoft.com/office/drawing/2010/main" Requires="a14">
+      <mc:AlternateContent xmlns:mc="http://schemas.openxmlformats.org/markup-compatibility/2006" xmlns:a14="http://schemas.microsoft.com/office/drawing/2010/main">
+        <mc:Choice Requires="a14">
           <p:sp>
             <p:nvSpPr>
               <p:cNvPr id="129" name="テキスト ボックス 128"/>
@@ -2509,6 +2511,7 @@
               </a:bodyPr>
               <a:lstStyle/>
               <a:p>
+                <a:pPr/>
                 <a14:m>
                   <m:oMathPara xmlns:m="http://schemas.openxmlformats.org/officeDocument/2006/math">
                     <m:oMathParaPr>
@@ -2535,7 +2538,7 @@
             </p:txBody>
           </p:sp>
         </mc:Choice>
-        <mc:Fallback>
+        <mc:Fallback xmlns="">
           <p:sp>
             <p:nvSpPr>
               <p:cNvPr id="129" name="テキスト ボックス 128"/>
@@ -2666,7 +2669,7 @@
             </p:nvSpPr>
             <p:spPr>
               <a:xfrm>
-                <a:off x="3136398" y="2676240"/>
+                <a:off x="3136398" y="2481853"/>
                 <a:ext cx="243419" cy="228183"/>
               </a:xfrm>
               <a:prstGeom prst="rect">
@@ -2684,6 +2687,7 @@
               </a:bodyPr>
               <a:lstStyle/>
               <a:p>
+                <a:pPr/>
                 <a14:m>
                   <m:oMathPara xmlns:m="http://schemas.openxmlformats.org/officeDocument/2006/math">
                     <m:oMathParaPr>
@@ -2721,7 +2725,7 @@
             </p:nvSpPr>
             <p:spPr>
               <a:xfrm>
-                <a:off x="3136398" y="2676240"/>
+                <a:off x="3136398" y="2481853"/>
                 <a:ext cx="243419" cy="228183"/>
               </a:xfrm>
               <a:prstGeom prst="rect">
@@ -2763,7 +2767,7 @@
             </p:nvSpPr>
             <p:spPr>
               <a:xfrm>
-                <a:off x="639597" y="2205979"/>
+                <a:off x="557808" y="2205979"/>
                 <a:ext cx="1106219" cy="412849"/>
               </a:xfrm>
               <a:prstGeom prst="rect">
@@ -2781,6 +2785,7 @@
               </a:bodyPr>
               <a:lstStyle/>
               <a:p>
+                <a:pPr/>
                 <a14:m>
                   <m:oMathPara xmlns:m="http://schemas.openxmlformats.org/officeDocument/2006/math">
                     <m:oMathParaPr>
@@ -2801,7 +2806,7 @@
                           <a:ea typeface="HG丸ｺﾞｼｯｸM-PRO" panose="020F0600000000000000" pitchFamily="50" charset="-128"/>
                           <a:cs typeface="Arial Unicode MS" panose="020B0604020202020204" pitchFamily="50" charset="-128"/>
                         </a:rPr>
-                        <m:t>=</m:t>
+                        <m:t>:=</m:t>
                       </m:r>
                       <m:r>
                         <a:rPr lang="en-US" altLang="ja-JP" sz="1200" b="0" i="1" smtClean="0">
@@ -2858,14 +2863,6 @@
                 </a:endParaRPr>
               </a:p>
               <a:p>
-                <a:r>
-                  <a:rPr lang="ja-JP" altLang="en-US" sz="1200" smtClean="0">
-                    <a:latin typeface="HG丸ｺﾞｼｯｸM-PRO" panose="020F0600000000000000" pitchFamily="50" charset="-128"/>
-                    <a:ea typeface="HG丸ｺﾞｼｯｸM-PRO" panose="020F0600000000000000" pitchFamily="50" charset="-128"/>
-                    <a:cs typeface="Courier New" pitchFamily="49" charset="0"/>
-                  </a:rPr>
-                  <a:t>を作成する</a:t>
-                </a:r>
                 <a:endParaRPr lang="ja-JP" altLang="en-US" sz="1200">
                   <a:latin typeface="HG丸ｺﾞｼｯｸM-PRO" panose="020F0600000000000000" pitchFamily="50" charset="-128"/>
                   <a:ea typeface="HG丸ｺﾞｼｯｸM-PRO" panose="020F0600000000000000" pitchFamily="50" charset="-128"/>
@@ -2886,7 +2883,7 @@
             </p:nvSpPr>
             <p:spPr>
               <a:xfrm>
-                <a:off x="639597" y="2205979"/>
+                <a:off x="557808" y="2205979"/>
                 <a:ext cx="1106219" cy="412849"/>
               </a:xfrm>
               <a:prstGeom prst="rect">
@@ -2895,7 +2892,7 @@
               <a:blipFill rotWithShape="1">
                 <a:blip r:embed="rId8"/>
                 <a:stretch>
-                  <a:fillRect l="-4972" b="-17647"/>
+                  <a:fillRect/>
                 </a:stretch>
               </a:blipFill>
               <a:ln w="19050" cap="rnd">
@@ -2918,8 +2915,8 @@
           </p:sp>
         </mc:Fallback>
       </mc:AlternateContent>
-      <mc:AlternateContent xmlns:mc="http://schemas.openxmlformats.org/markup-compatibility/2006">
-        <mc:Choice xmlns:a14="http://schemas.microsoft.com/office/drawing/2010/main" Requires="a14">
+      <mc:AlternateContent xmlns:mc="http://schemas.openxmlformats.org/markup-compatibility/2006" xmlns:a14="http://schemas.microsoft.com/office/drawing/2010/main">
+        <mc:Choice Requires="a14">
           <p:sp>
             <p:nvSpPr>
               <p:cNvPr id="133" name="テキスト ボックス 132"/>
@@ -3007,7 +3004,7 @@
             </p:txBody>
           </p:sp>
         </mc:Choice>
-        <mc:Fallback>
+        <mc:Fallback xmlns="">
           <p:sp>
             <p:nvSpPr>
               <p:cNvPr id="133" name="テキスト ボックス 132"/>
@@ -3097,7 +3094,7 @@
             <p:spPr>
               <a:xfrm>
                 <a:off x="2718048" y="2225179"/>
-                <a:ext cx="936104" cy="412849"/>
+                <a:ext cx="936104" cy="228183"/>
               </a:xfrm>
               <a:prstGeom prst="rect">
                 <a:avLst/>
@@ -3114,6 +3111,7 @@
               </a:bodyPr>
               <a:lstStyle/>
               <a:p>
+                <a:pPr/>
                 <a14:m>
                   <m:oMathPara xmlns:m="http://schemas.openxmlformats.org/officeDocument/2006/math">
                     <m:oMathParaPr>
@@ -3124,7 +3122,7 @@
                         <a:rPr lang="en-US" altLang="ja-JP" sz="1200" b="0" i="1" smtClean="0">
                           <a:latin typeface="Cambria Math"/>
                           <a:ea typeface="HG丸ｺﾞｼｯｸM-PRO" panose="020F0600000000000000" pitchFamily="50" charset="-128"/>
-                          <a:cs typeface="Arial Unicode MS" panose="020B0604020202020204" pitchFamily="50" charset="-128"/>
+                          <a:cs typeface="Courier New" pitchFamily="49" charset="0"/>
                         </a:rPr>
                         <m:t>𝑡</m:t>
                       </m:r>
@@ -3132,7 +3130,7 @@
                         <a:rPr lang="en-US" altLang="ja-JP" sz="1200" b="0" i="1" smtClean="0">
                           <a:latin typeface="Cambria Math"/>
                           <a:ea typeface="HG丸ｺﾞｼｯｸM-PRO" panose="020F0600000000000000" pitchFamily="50" charset="-128"/>
-                          <a:cs typeface="Arial Unicode MS" panose="020B0604020202020204" pitchFamily="50" charset="-128"/>
+                          <a:cs typeface="Courier New" pitchFamily="49" charset="0"/>
                         </a:rPr>
                         <m:t>=</m:t>
                       </m:r>
@@ -3140,73 +3138,53 @@
                         <a:rPr lang="en-US" altLang="ja-JP" sz="1200" b="0" i="1" smtClean="0">
                           <a:latin typeface="Cambria Math"/>
                           <a:ea typeface="HG丸ｺﾞｼｯｸM-PRO" panose="020F0600000000000000" pitchFamily="50" charset="-128"/>
-                          <a:cs typeface="Arial Unicode MS" panose="020B0604020202020204" pitchFamily="50" charset="-128"/>
+                          <a:cs typeface="Courier New" pitchFamily="49" charset="0"/>
                         </a:rPr>
                         <m:t>ℳ</m:t>
                       </m:r>
-                      <m:d>
-                        <m:dPr>
-                          <m:ctrlPr>
-                            <a:rPr lang="en-US" altLang="ja-JP" sz="1200" b="0" i="1" smtClean="0">
-                              <a:latin typeface="Cambria Math"/>
-                              <a:ea typeface="HG丸ｺﾞｼｯｸM-PRO" panose="020F0600000000000000" pitchFamily="50" charset="-128"/>
-                              <a:cs typeface="Arial Unicode MS" panose="020B0604020202020204" pitchFamily="50" charset="-128"/>
-                            </a:rPr>
-                          </m:ctrlPr>
-                        </m:dPr>
-                        <m:e>
-                          <m:r>
-                            <a:rPr lang="en-US" altLang="ja-JP" sz="1200" b="0" i="1" smtClean="0">
-                              <a:latin typeface="Cambria Math"/>
-                              <a:ea typeface="HG丸ｺﾞｼｯｸM-PRO" panose="020F0600000000000000" pitchFamily="50" charset="-128"/>
-                              <a:cs typeface="Arial Unicode MS" panose="020B0604020202020204" pitchFamily="50" charset="-128"/>
-                            </a:rPr>
-                            <m:t>𝑘</m:t>
-                          </m:r>
-                          <m:r>
-                            <a:rPr lang="en-US" altLang="ja-JP" sz="1200" b="0" i="1" smtClean="0">
-                              <a:latin typeface="Cambria Math"/>
-                              <a:ea typeface="HG丸ｺﾞｼｯｸM-PRO" panose="020F0600000000000000" pitchFamily="50" charset="-128"/>
-                              <a:cs typeface="Arial Unicode MS" panose="020B0604020202020204" pitchFamily="50" charset="-128"/>
-                            </a:rPr>
-                            <m:t>,</m:t>
-                          </m:r>
-                          <m:r>
-                            <a:rPr lang="en-US" altLang="ja-JP" sz="1200" b="0" i="1" smtClean="0">
-                              <a:latin typeface="Cambria Math"/>
-                              <a:ea typeface="HG丸ｺﾞｼｯｸM-PRO" panose="020F0600000000000000" pitchFamily="50" charset="-128"/>
-                              <a:cs typeface="Arial Unicode MS" panose="020B0604020202020204" pitchFamily="50" charset="-128"/>
-                            </a:rPr>
-                            <m:t>𝑚</m:t>
-                          </m:r>
-                        </m:e>
-                      </m:d>
+                      <m:r>
+                        <a:rPr lang="en-US" altLang="ja-JP" sz="1200" b="0" i="1" smtClean="0">
+                          <a:latin typeface="Cambria Math"/>
+                          <a:ea typeface="HG丸ｺﾞｼｯｸM-PRO" panose="020F0600000000000000" pitchFamily="50" charset="-128"/>
+                          <a:cs typeface="Courier New" pitchFamily="49" charset="0"/>
+                        </a:rPr>
+                        <m:t>(</m:t>
+                      </m:r>
+                      <m:r>
+                        <a:rPr lang="en-US" altLang="ja-JP" sz="1200" b="0" i="1" smtClean="0">
+                          <a:latin typeface="Cambria Math"/>
+                          <a:ea typeface="HG丸ｺﾞｼｯｸM-PRO" panose="020F0600000000000000" pitchFamily="50" charset="-128"/>
+                          <a:cs typeface="Courier New" pitchFamily="49" charset="0"/>
+                        </a:rPr>
+                        <m:t>𝑘</m:t>
+                      </m:r>
+                      <m:r>
+                        <a:rPr lang="en-US" altLang="ja-JP" sz="1200" b="0" i="1" smtClean="0">
+                          <a:latin typeface="Cambria Math"/>
+                          <a:ea typeface="HG丸ｺﾞｼｯｸM-PRO" panose="020F0600000000000000" pitchFamily="50" charset="-128"/>
+                          <a:cs typeface="Courier New" pitchFamily="49" charset="0"/>
+                        </a:rPr>
+                        <m:t>,</m:t>
+                      </m:r>
+                      <m:r>
+                        <a:rPr lang="en-US" altLang="ja-JP" sz="1200" b="0" i="1" smtClean="0">
+                          <a:latin typeface="Cambria Math"/>
+                          <a:ea typeface="HG丸ｺﾞｼｯｸM-PRO" panose="020F0600000000000000" pitchFamily="50" charset="-128"/>
+                          <a:cs typeface="Courier New" pitchFamily="49" charset="0"/>
+                        </a:rPr>
+                        <m:t>𝑚</m:t>
+                      </m:r>
+                      <m:r>
+                        <a:rPr lang="en-US" altLang="ja-JP" sz="1200" b="0" i="1" smtClean="0">
+                          <a:latin typeface="Cambria Math"/>
+                          <a:ea typeface="HG丸ｺﾞｼｯｸM-PRO" panose="020F0600000000000000" pitchFamily="50" charset="-128"/>
+                          <a:cs typeface="Courier New" pitchFamily="49" charset="0"/>
+                        </a:rPr>
+                        <m:t>)</m:t>
+                      </m:r>
                     </m:oMath>
                   </m:oMathPara>
                 </a14:m>
-                <a:r>
-                  <a:rPr lang="en-US" altLang="ja-JP" sz="1200" smtClean="0">
-                    <a:latin typeface="HG丸ｺﾞｼｯｸM-PRO" panose="020F0600000000000000" pitchFamily="50" charset="-128"/>
-                    <a:ea typeface="HG丸ｺﾞｼｯｸM-PRO" panose="020F0600000000000000" pitchFamily="50" charset="-128"/>
-                    <a:cs typeface="Courier New" pitchFamily="49" charset="0"/>
-                  </a:rPr>
-                  <a:t/>
-                </a:r>
-                <a:br>
-                  <a:rPr lang="en-US" altLang="ja-JP" sz="1200" smtClean="0">
-                    <a:latin typeface="HG丸ｺﾞｼｯｸM-PRO" panose="020F0600000000000000" pitchFamily="50" charset="-128"/>
-                    <a:ea typeface="HG丸ｺﾞｼｯｸM-PRO" panose="020F0600000000000000" pitchFamily="50" charset="-128"/>
-                    <a:cs typeface="Courier New" pitchFamily="49" charset="0"/>
-                  </a:rPr>
-                </a:br>
-                <a:r>
-                  <a:rPr lang="ja-JP" altLang="en-US" sz="1200" smtClean="0">
-                    <a:latin typeface="HG丸ｺﾞｼｯｸM-PRO" panose="020F0600000000000000" pitchFamily="50" charset="-128"/>
-                    <a:ea typeface="HG丸ｺﾞｼｯｸM-PRO" panose="020F0600000000000000" pitchFamily="50" charset="-128"/>
-                    <a:cs typeface="Courier New" pitchFamily="49" charset="0"/>
-                  </a:rPr>
-                  <a:t>を確認する</a:t>
-                </a:r>
                 <a:endParaRPr lang="ja-JP" altLang="en-US" sz="1200">
                   <a:latin typeface="HG丸ｺﾞｼｯｸM-PRO" panose="020F0600000000000000" pitchFamily="50" charset="-128"/>
                   <a:ea typeface="HG丸ｺﾞｼｯｸM-PRO" panose="020F0600000000000000" pitchFamily="50" charset="-128"/>
@@ -3228,7 +3206,7 @@
             <p:spPr>
               <a:xfrm>
                 <a:off x="2718048" y="2225179"/>
-                <a:ext cx="936104" cy="412849"/>
+                <a:ext cx="936104" cy="228183"/>
               </a:xfrm>
               <a:prstGeom prst="rect">
                 <a:avLst/>
@@ -3236,7 +3214,7 @@
               <a:blipFill rotWithShape="1">
                 <a:blip r:embed="rId10"/>
                 <a:stretch>
-                  <a:fillRect l="-5882" b="-17647"/>
+                  <a:fillRect r="-2614" b="-27027"/>
                 </a:stretch>
               </a:blipFill>
               <a:ln w="19050" cap="rnd">
@@ -3268,7 +3246,7 @@
         <p:spPr>
           <a:xfrm>
             <a:off x="628564" y="1612243"/>
-            <a:ext cx="997220" cy="1063995"/>
+            <a:ext cx="997220" cy="886755"/>
           </a:xfrm>
           <a:prstGeom prst="rect">
             <a:avLst/>
@@ -3315,7 +3293,7 @@
         <p:spPr>
           <a:xfrm>
             <a:off x="2696460" y="1612243"/>
-            <a:ext cx="997220" cy="1058013"/>
+            <a:ext cx="997220" cy="881769"/>
           </a:xfrm>
           <a:prstGeom prst="rect">
             <a:avLst/>
@@ -3392,6 +3370,104 @@
           </a:fontRef>
         </p:style>
       </p:cxnSp>
+      <mc:AlternateContent xmlns:mc="http://schemas.openxmlformats.org/markup-compatibility/2006">
+        <mc:Choice xmlns:a14="http://schemas.microsoft.com/office/drawing/2010/main" Requires="a14">
+          <p:sp>
+            <p:nvSpPr>
+              <p:cNvPr id="18" name="テキスト ボックス 17"/>
+              <p:cNvSpPr txBox="1"/>
+              <p:nvPr/>
+            </p:nvSpPr>
+            <p:spPr>
+              <a:xfrm>
+                <a:off x="2768374" y="2154042"/>
+                <a:ext cx="315652" cy="228183"/>
+              </a:xfrm>
+              <a:prstGeom prst="rect">
+                <a:avLst/>
+              </a:prstGeom>
+              <a:noFill/>
+              <a:ln w="19050" cap="rnd">
+                <a:noFill/>
+                <a:prstDash val="sysDash"/>
+              </a:ln>
+            </p:spPr>
+            <p:txBody>
+              <a:bodyPr wrap="square" lIns="43094" tIns="21548" rIns="43094" bIns="21548" rtlCol="0">
+                <a:spAutoFit/>
+              </a:bodyPr>
+              <a:lstStyle/>
+              <a:p>
+                <a:pPr/>
+                <a14:m>
+                  <m:oMathPara xmlns:m="http://schemas.openxmlformats.org/officeDocument/2006/math">
+                    <m:oMathParaPr>
+                      <m:jc m:val="centerGroup"/>
+                    </m:oMathParaPr>
+                    <m:oMath xmlns:m="http://schemas.openxmlformats.org/officeDocument/2006/math">
+                      <m:r>
+                        <a:rPr lang="en-US" altLang="ja-JP" sz="1200" i="1" smtClean="0">
+                          <a:latin typeface="Cambria Math"/>
+                          <a:ea typeface="HG丸ｺﾞｼｯｸM-PRO" panose="020F0600000000000000" pitchFamily="50" charset="-128"/>
+                          <a:cs typeface="Courier New" pitchFamily="49" charset="0"/>
+                        </a:rPr>
+                        <m:t>?</m:t>
+                      </m:r>
+                    </m:oMath>
+                  </m:oMathPara>
+                </a14:m>
+                <a:endParaRPr lang="ja-JP" altLang="en-US" sz="1200">
+                  <a:latin typeface="HG丸ｺﾞｼｯｸM-PRO" panose="020F0600000000000000" pitchFamily="50" charset="-128"/>
+                  <a:ea typeface="HG丸ｺﾞｼｯｸM-PRO" panose="020F0600000000000000" pitchFamily="50" charset="-128"/>
+                  <a:cs typeface="Courier New" pitchFamily="49" charset="0"/>
+                </a:endParaRPr>
+              </a:p>
+            </p:txBody>
+          </p:sp>
+        </mc:Choice>
+        <mc:Fallback>
+          <p:sp>
+            <p:nvSpPr>
+              <p:cNvPr id="18" name="テキスト ボックス 17"/>
+              <p:cNvSpPr txBox="1">
+                <a:spLocks noRot="1" noChangeAspect="1" noMove="1" noResize="1" noEditPoints="1" noAdjustHandles="1" noChangeArrowheads="1" noChangeShapeType="1" noTextEdit="1"/>
+              </p:cNvSpPr>
+              <p:nvPr/>
+            </p:nvSpPr>
+            <p:spPr>
+              <a:xfrm>
+                <a:off x="2768374" y="2154042"/>
+                <a:ext cx="315652" cy="228183"/>
+              </a:xfrm>
+              <a:prstGeom prst="rect">
+                <a:avLst/>
+              </a:prstGeom>
+              <a:blipFill rotWithShape="1">
+                <a:blip r:embed="rId11"/>
+                <a:stretch>
+                  <a:fillRect/>
+                </a:stretch>
+              </a:blipFill>
+              <a:ln w="19050" cap="rnd">
+                <a:noFill/>
+                <a:prstDash val="sysDash"/>
+              </a:ln>
+            </p:spPr>
+            <p:txBody>
+              <a:bodyPr/>
+              <a:lstStyle/>
+              <a:p>
+                <a:r>
+                  <a:rPr lang="ja-JP" altLang="en-US">
+                    <a:noFill/>
+                  </a:rPr>
+                  <a:t> </a:t>
+                </a:r>
+              </a:p>
+            </p:txBody>
+          </p:sp>
+        </mc:Fallback>
+      </mc:AlternateContent>
     </p:spTree>
     <p:extLst>
       <p:ext uri="{BB962C8B-B14F-4D97-AF65-F5344CB8AC3E}">

--- a/img/mac.pptx
+++ b/img/mac.pptx
@@ -1953,14 +1953,14 @@
         <mc:Choice xmlns:a14="http://schemas.microsoft.com/office/drawing/2010/main" Requires="a14">
           <p:sp>
             <p:nvSpPr>
-              <p:cNvPr id="67" name="テキスト ボックス 66"/>
+              <p:cNvPr id="77" name="テキスト ボックス 76"/>
               <p:cNvSpPr txBox="1"/>
               <p:nvPr/>
             </p:nvSpPr>
             <p:spPr>
               <a:xfrm>
-                <a:off x="998031" y="2481851"/>
-                <a:ext cx="237584" cy="228183"/>
+                <a:off x="1332237" y="1125859"/>
+                <a:ext cx="1511266" cy="205100"/>
               </a:xfrm>
               <a:prstGeom prst="rect">
                 <a:avLst/>
@@ -1977,25 +1977,35 @@
               </a:bodyPr>
               <a:lstStyle/>
               <a:p>
-                <a:pPr/>
+                <a:r>
+                  <a:rPr lang="ja-JP" altLang="en-US" sz="1050" smtClean="0">
+                    <a:latin typeface="HG丸ｺﾞｼｯｸM-PRO" panose="020F0600000000000000" pitchFamily="50" charset="-128"/>
+                    <a:ea typeface="HG丸ｺﾞｼｯｸM-PRO" panose="020F0600000000000000" pitchFamily="50" charset="-128"/>
+                    <a:cs typeface="Arial Unicode MS" panose="020B0604020202020204" pitchFamily="50" charset="-128"/>
+                  </a:rPr>
+                  <a:t>事前に</a:t>
+                </a:r>
                 <a14:m>
-                  <m:oMathPara xmlns:m="http://schemas.openxmlformats.org/officeDocument/2006/math">
-                    <m:oMathParaPr>
-                      <m:jc m:val="centerGroup"/>
-                    </m:oMathParaPr>
-                    <m:oMath xmlns:m="http://schemas.openxmlformats.org/officeDocument/2006/math">
-                      <m:r>
-                        <a:rPr lang="en-US" altLang="ja-JP" sz="1200" b="0" i="1" smtClean="0">
-                          <a:latin typeface="Cambria Math"/>
-                          <a:ea typeface="HG丸ｺﾞｼｯｸM-PRO" panose="020F0600000000000000" pitchFamily="50" charset="-128"/>
-                          <a:cs typeface="Arial Unicode MS" panose="020B0604020202020204" pitchFamily="50" charset="-128"/>
-                        </a:rPr>
-                        <m:t>𝐴</m:t>
-                      </m:r>
-                    </m:oMath>
-                  </m:oMathPara>
+                  <m:oMath xmlns:m="http://schemas.openxmlformats.org/officeDocument/2006/math">
+                    <m:r>
+                      <a:rPr lang="en-US" altLang="ja-JP" sz="1050" b="0" i="1" smtClean="0">
+                        <a:latin typeface="Cambria Math"/>
+                        <a:ea typeface="HG丸ｺﾞｼｯｸM-PRO" panose="020F0600000000000000" pitchFamily="50" charset="-128"/>
+                        <a:cs typeface="Arial Unicode MS" panose="020B0604020202020204" pitchFamily="50" charset="-128"/>
+                      </a:rPr>
+                      <m:t>𝑘</m:t>
+                    </m:r>
+                  </m:oMath>
                 </a14:m>
-                <a:endParaRPr lang="ja-JP" altLang="en-US" sz="1200">
+                <a:r>
+                  <a:rPr lang="ja-JP" altLang="en-US" sz="1050" smtClean="0">
+                    <a:latin typeface="HG丸ｺﾞｼｯｸM-PRO" panose="020F0600000000000000" pitchFamily="50" charset="-128"/>
+                    <a:ea typeface="HG丸ｺﾞｼｯｸM-PRO" panose="020F0600000000000000" pitchFamily="50" charset="-128"/>
+                    <a:cs typeface="Arial Unicode MS" panose="020B0604020202020204" pitchFamily="50" charset="-128"/>
+                  </a:rPr>
+                  <a:t>を共有しておく</a:t>
+                </a:r>
+                <a:endParaRPr lang="ja-JP" altLang="en-US" sz="1050">
                   <a:latin typeface="HG丸ｺﾞｼｯｸM-PRO" panose="020F0600000000000000" pitchFamily="50" charset="-128"/>
                   <a:ea typeface="HG丸ｺﾞｼｯｸM-PRO" panose="020F0600000000000000" pitchFamily="50" charset="-128"/>
                   <a:cs typeface="Courier New" pitchFamily="49" charset="0"/>
@@ -2007,7 +2017,7 @@
         <mc:Fallback>
           <p:sp>
             <p:nvSpPr>
-              <p:cNvPr id="67" name="テキスト ボックス 66"/>
+              <p:cNvPr id="77" name="テキスト ボックス 76"/>
               <p:cNvSpPr txBox="1">
                 <a:spLocks noRot="1" noChangeAspect="1" noMove="1" noResize="1" noEditPoints="1" noAdjustHandles="1" noChangeArrowheads="1" noChangeShapeType="1" noTextEdit="1"/>
               </p:cNvSpPr>
@@ -2015,8 +2025,8 @@
             </p:nvSpPr>
             <p:spPr>
               <a:xfrm>
-                <a:off x="998031" y="2481851"/>
-                <a:ext cx="237584" cy="228183"/>
+                <a:off x="1332237" y="1125859"/>
+                <a:ext cx="1511266" cy="205100"/>
               </a:xfrm>
               <a:prstGeom prst="rect">
                 <a:avLst/>
@@ -2024,7 +2034,7 @@
               <a:blipFill rotWithShape="1">
                 <a:blip r:embed="rId2"/>
                 <a:stretch>
-                  <a:fillRect/>
+                  <a:fillRect l="-2834" t="-9091" r="-2429" b="-30303"/>
                 </a:stretch>
               </a:blipFill>
               <a:ln w="19050" cap="rnd">
@@ -2047,116 +2057,8 @@
           </p:sp>
         </mc:Fallback>
       </mc:AlternateContent>
-      <mc:AlternateContent xmlns:mc="http://schemas.openxmlformats.org/markup-compatibility/2006" xmlns:a14="http://schemas.microsoft.com/office/drawing/2010/main">
-        <mc:Choice Requires="a14">
-          <p:sp>
-            <p:nvSpPr>
-              <p:cNvPr id="77" name="テキスト ボックス 76"/>
-              <p:cNvSpPr txBox="1"/>
-              <p:nvPr/>
-            </p:nvSpPr>
-            <p:spPr>
-              <a:xfrm>
-                <a:off x="1332237" y="1125859"/>
-                <a:ext cx="1715361" cy="228183"/>
-              </a:xfrm>
-              <a:prstGeom prst="rect">
-                <a:avLst/>
-              </a:prstGeom>
-              <a:noFill/>
-              <a:ln w="19050" cap="rnd">
-                <a:noFill/>
-                <a:prstDash val="sysDash"/>
-              </a:ln>
-            </p:spPr>
-            <p:txBody>
-              <a:bodyPr wrap="none" lIns="43094" tIns="21548" rIns="43094" bIns="21548" rtlCol="0">
-                <a:spAutoFit/>
-              </a:bodyPr>
-              <a:lstStyle/>
-              <a:p>
-                <a:r>
-                  <a:rPr lang="ja-JP" altLang="en-US" sz="1200" smtClean="0">
-                    <a:latin typeface="HG丸ｺﾞｼｯｸM-PRO" panose="020F0600000000000000" pitchFamily="50" charset="-128"/>
-                    <a:ea typeface="HG丸ｺﾞｼｯｸM-PRO" panose="020F0600000000000000" pitchFamily="50" charset="-128"/>
-                    <a:cs typeface="Arial Unicode MS" panose="020B0604020202020204" pitchFamily="50" charset="-128"/>
-                  </a:rPr>
-                  <a:t>事前に</a:t>
-                </a:r>
-                <a14:m>
-                  <m:oMath xmlns:m="http://schemas.openxmlformats.org/officeDocument/2006/math">
-                    <m:r>
-                      <a:rPr lang="en-US" altLang="ja-JP" sz="1200" b="0" i="1" smtClean="0">
-                        <a:latin typeface="Cambria Math"/>
-                        <a:ea typeface="HG丸ｺﾞｼｯｸM-PRO" panose="020F0600000000000000" pitchFamily="50" charset="-128"/>
-                        <a:cs typeface="Arial Unicode MS" panose="020B0604020202020204" pitchFamily="50" charset="-128"/>
-                      </a:rPr>
-                      <m:t>𝑘</m:t>
-                    </m:r>
-                  </m:oMath>
-                </a14:m>
-                <a:r>
-                  <a:rPr lang="ja-JP" altLang="en-US" sz="1200" smtClean="0">
-                    <a:latin typeface="HG丸ｺﾞｼｯｸM-PRO" panose="020F0600000000000000" pitchFamily="50" charset="-128"/>
-                    <a:ea typeface="HG丸ｺﾞｼｯｸM-PRO" panose="020F0600000000000000" pitchFamily="50" charset="-128"/>
-                    <a:cs typeface="Arial Unicode MS" panose="020B0604020202020204" pitchFamily="50" charset="-128"/>
-                  </a:rPr>
-                  <a:t>を共有しておく</a:t>
-                </a:r>
-                <a:endParaRPr lang="ja-JP" altLang="en-US" sz="1200">
-                  <a:latin typeface="HG丸ｺﾞｼｯｸM-PRO" panose="020F0600000000000000" pitchFamily="50" charset="-128"/>
-                  <a:ea typeface="HG丸ｺﾞｼｯｸM-PRO" panose="020F0600000000000000" pitchFamily="50" charset="-128"/>
-                  <a:cs typeface="Courier New" pitchFamily="49" charset="0"/>
-                </a:endParaRPr>
-              </a:p>
-            </p:txBody>
-          </p:sp>
-        </mc:Choice>
-        <mc:Fallback xmlns="">
-          <p:sp>
-            <p:nvSpPr>
-              <p:cNvPr id="77" name="テキスト ボックス 76"/>
-              <p:cNvSpPr txBox="1">
-                <a:spLocks noRot="1" noChangeAspect="1" noMove="1" noResize="1" noEditPoints="1" noAdjustHandles="1" noChangeArrowheads="1" noChangeShapeType="1" noTextEdit="1"/>
-              </p:cNvSpPr>
-              <p:nvPr/>
-            </p:nvSpPr>
-            <p:spPr>
-              <a:xfrm>
-                <a:off x="1332237" y="1125859"/>
-                <a:ext cx="1715361" cy="228183"/>
-              </a:xfrm>
-              <a:prstGeom prst="rect">
-                <a:avLst/>
-              </a:prstGeom>
-              <a:blipFill rotWithShape="1">
-                <a:blip r:embed="rId3"/>
-                <a:stretch>
-                  <a:fillRect l="-3203" t="-10811" r="-2135" b="-32432"/>
-                </a:stretch>
-              </a:blipFill>
-              <a:ln w="19050" cap="rnd">
-                <a:noFill/>
-                <a:prstDash val="sysDash"/>
-              </a:ln>
-            </p:spPr>
-            <p:txBody>
-              <a:bodyPr/>
-              <a:lstStyle/>
-              <a:p>
-                <a:r>
-                  <a:rPr lang="ja-JP" altLang="en-US">
-                    <a:noFill/>
-                  </a:rPr>
-                  <a:t> </a:t>
-                </a:r>
-              </a:p>
-            </p:txBody>
-          </p:sp>
-        </mc:Fallback>
-      </mc:AlternateContent>
-      <mc:AlternateContent xmlns:mc="http://schemas.openxmlformats.org/markup-compatibility/2006" xmlns:a14="http://schemas.microsoft.com/office/drawing/2010/main">
-        <mc:Choice Requires="a14">
+      <mc:AlternateContent xmlns:mc="http://schemas.openxmlformats.org/markup-compatibility/2006">
+        <mc:Choice xmlns:a14="http://schemas.microsoft.com/office/drawing/2010/main" Requires="a14">
           <p:sp>
             <p:nvSpPr>
               <p:cNvPr id="125" name="フローチャート : 書類 124"/>
@@ -2206,7 +2108,7 @@
                     </m:oMathParaPr>
                     <m:oMath xmlns:m="http://schemas.openxmlformats.org/officeDocument/2006/math">
                       <m:r>
-                        <a:rPr kumimoji="1" lang="en-US" altLang="ja-JP" sz="1200" b="0" i="1" smtClean="0">
+                        <a:rPr kumimoji="1" lang="en-US" altLang="ja-JP" sz="1050" b="0" i="1" smtClean="0">
                           <a:solidFill>
                             <a:schemeClr val="tx1"/>
                           </a:solidFill>
@@ -2217,7 +2119,7 @@
                     </m:oMath>
                   </m:oMathPara>
                 </a14:m>
-                <a:endParaRPr kumimoji="1" lang="ja-JP" altLang="en-US" sz="1200">
+                <a:endParaRPr kumimoji="1" lang="ja-JP" altLang="en-US" sz="1050">
                   <a:solidFill>
                     <a:schemeClr val="tx1"/>
                   </a:solidFill>
@@ -2226,7 +2128,7 @@
             </p:txBody>
           </p:sp>
         </mc:Choice>
-        <mc:Fallback xmlns="">
+        <mc:Fallback>
           <p:sp>
             <p:nvSpPr>
               <p:cNvPr id="125" name="フローチャート : 書類 124"/>
@@ -2244,7 +2146,7 @@
                 <a:avLst/>
               </a:prstGeom>
               <a:blipFill rotWithShape="1">
-                <a:blip r:embed="rId4"/>
+                <a:blip r:embed="rId3"/>
                 <a:stretch>
                   <a:fillRect/>
                 </a:stretch>
@@ -2270,8 +2172,8 @@
           </p:sp>
         </mc:Fallback>
       </mc:AlternateContent>
-      <mc:AlternateContent xmlns:mc="http://schemas.openxmlformats.org/markup-compatibility/2006" xmlns:a14="http://schemas.microsoft.com/office/drawing/2010/main">
-        <mc:Choice Requires="a14">
+      <mc:AlternateContent xmlns:mc="http://schemas.openxmlformats.org/markup-compatibility/2006">
+        <mc:Choice xmlns:a14="http://schemas.microsoft.com/office/drawing/2010/main" Requires="a14">
           <p:sp>
             <p:nvSpPr>
               <p:cNvPr id="127" name="テキスト ボックス 126"/>
@@ -2281,7 +2183,7 @@
             <p:spPr>
               <a:xfrm>
                 <a:off x="3104644" y="1612243"/>
-                <a:ext cx="227774" cy="228183"/>
+                <a:ext cx="209627" cy="205100"/>
               </a:xfrm>
               <a:prstGeom prst="rect">
                 <a:avLst/>
@@ -2306,7 +2208,7 @@
                     </m:oMathParaPr>
                     <m:oMath xmlns:m="http://schemas.openxmlformats.org/officeDocument/2006/math">
                       <m:r>
-                        <a:rPr lang="en-US" altLang="ja-JP" sz="1200" b="0" i="1" smtClean="0">
+                        <a:rPr lang="en-US" altLang="ja-JP" sz="1050" b="0" i="1" smtClean="0">
                           <a:latin typeface="Cambria Math"/>
                           <a:ea typeface="HG丸ｺﾞｼｯｸM-PRO" panose="020F0600000000000000" pitchFamily="50" charset="-128"/>
                           <a:cs typeface="Arial Unicode MS" panose="020B0604020202020204" pitchFamily="50" charset="-128"/>
@@ -2316,7 +2218,7 @@
                     </m:oMath>
                   </m:oMathPara>
                 </a14:m>
-                <a:endParaRPr lang="ja-JP" altLang="en-US" sz="1200">
+                <a:endParaRPr lang="ja-JP" altLang="en-US" sz="1050">
                   <a:latin typeface="HG丸ｺﾞｼｯｸM-PRO" panose="020F0600000000000000" pitchFamily="50" charset="-128"/>
                   <a:ea typeface="HG丸ｺﾞｼｯｸM-PRO" panose="020F0600000000000000" pitchFamily="50" charset="-128"/>
                   <a:cs typeface="Courier New" pitchFamily="49" charset="0"/>
@@ -2325,7 +2227,7 @@
             </p:txBody>
           </p:sp>
         </mc:Choice>
-        <mc:Fallback xmlns="">
+        <mc:Fallback>
           <p:sp>
             <p:nvSpPr>
               <p:cNvPr id="127" name="テキスト ボックス 126"/>
@@ -2337,15 +2239,15 @@
             <p:spPr>
               <a:xfrm>
                 <a:off x="3104644" y="1612243"/>
-                <a:ext cx="227774" cy="228183"/>
+                <a:ext cx="209627" cy="205100"/>
               </a:xfrm>
               <a:prstGeom prst="rect">
                 <a:avLst/>
               </a:prstGeom>
               <a:blipFill rotWithShape="1">
-                <a:blip r:embed="rId5"/>
+                <a:blip r:embed="rId4"/>
                 <a:stretch>
-                  <a:fillRect b="-2632"/>
+                  <a:fillRect b="-2941"/>
                 </a:stretch>
               </a:blipFill>
               <a:ln w="19050" cap="rnd">
@@ -2368,8 +2270,8 @@
           </p:sp>
         </mc:Fallback>
       </mc:AlternateContent>
-      <mc:AlternateContent xmlns:mc="http://schemas.openxmlformats.org/markup-compatibility/2006" xmlns:a14="http://schemas.microsoft.com/office/drawing/2010/main">
-        <mc:Choice Requires="a14">
+      <mc:AlternateContent xmlns:mc="http://schemas.openxmlformats.org/markup-compatibility/2006">
+        <mc:Choice xmlns:a14="http://schemas.microsoft.com/office/drawing/2010/main" Requires="a14">
           <p:sp>
             <p:nvSpPr>
               <p:cNvPr id="128" name="フローチャート : 書類 127"/>
@@ -2419,7 +2321,7 @@
                     </m:oMathParaPr>
                     <m:oMath xmlns:m="http://schemas.openxmlformats.org/officeDocument/2006/math">
                       <m:r>
-                        <a:rPr kumimoji="1" lang="en-US" altLang="ja-JP" sz="1200" b="0" i="1" smtClean="0">
+                        <a:rPr kumimoji="1" lang="en-US" altLang="ja-JP" sz="1050" b="0" i="1" smtClean="0">
                           <a:solidFill>
                             <a:schemeClr val="tx1"/>
                           </a:solidFill>
@@ -2430,7 +2332,7 @@
                     </m:oMath>
                   </m:oMathPara>
                 </a14:m>
-                <a:endParaRPr kumimoji="1" lang="ja-JP" altLang="en-US" sz="1200">
+                <a:endParaRPr kumimoji="1" lang="ja-JP" altLang="en-US" sz="1050">
                   <a:solidFill>
                     <a:schemeClr val="tx1"/>
                   </a:solidFill>
@@ -2439,7 +2341,7 @@
             </p:txBody>
           </p:sp>
         </mc:Choice>
-        <mc:Fallback xmlns="">
+        <mc:Fallback>
           <p:sp>
             <p:nvSpPr>
               <p:cNvPr id="128" name="フローチャート : 書類 127"/>
@@ -2457,7 +2359,7 @@
                 <a:avLst/>
               </a:prstGeom>
               <a:blipFill rotWithShape="1">
-                <a:blip r:embed="rId6"/>
+                <a:blip r:embed="rId5"/>
                 <a:stretch>
                   <a:fillRect/>
                 </a:stretch>
@@ -2483,8 +2385,8 @@
           </p:sp>
         </mc:Fallback>
       </mc:AlternateContent>
-      <mc:AlternateContent xmlns:mc="http://schemas.openxmlformats.org/markup-compatibility/2006" xmlns:a14="http://schemas.microsoft.com/office/drawing/2010/main">
-        <mc:Choice Requires="a14">
+      <mc:AlternateContent xmlns:mc="http://schemas.openxmlformats.org/markup-compatibility/2006">
+        <mc:Choice xmlns:a14="http://schemas.microsoft.com/office/drawing/2010/main" Requires="a14">
           <p:sp>
             <p:nvSpPr>
               <p:cNvPr id="129" name="テキスト ボックス 128"/>
@@ -2494,7 +2396,7 @@
             <p:spPr>
               <a:xfrm>
                 <a:off x="1007841" y="1612244"/>
-                <a:ext cx="227774" cy="228183"/>
+                <a:ext cx="209627" cy="205100"/>
               </a:xfrm>
               <a:prstGeom prst="rect">
                 <a:avLst/>
@@ -2519,7 +2421,7 @@
                     </m:oMathParaPr>
                     <m:oMath xmlns:m="http://schemas.openxmlformats.org/officeDocument/2006/math">
                       <m:r>
-                        <a:rPr lang="en-US" altLang="ja-JP" sz="1200" b="0" i="1" smtClean="0">
+                        <a:rPr lang="en-US" altLang="ja-JP" sz="1050" b="0" i="1" smtClean="0">
                           <a:latin typeface="Cambria Math"/>
                           <a:ea typeface="HG丸ｺﾞｼｯｸM-PRO" panose="020F0600000000000000" pitchFamily="50" charset="-128"/>
                           <a:cs typeface="Arial Unicode MS" panose="020B0604020202020204" pitchFamily="50" charset="-128"/>
@@ -2529,7 +2431,7 @@
                     </m:oMath>
                   </m:oMathPara>
                 </a14:m>
-                <a:endParaRPr lang="ja-JP" altLang="en-US" sz="1200">
+                <a:endParaRPr lang="ja-JP" altLang="en-US" sz="1050">
                   <a:latin typeface="HG丸ｺﾞｼｯｸM-PRO" panose="020F0600000000000000" pitchFamily="50" charset="-128"/>
                   <a:ea typeface="HG丸ｺﾞｼｯｸM-PRO" panose="020F0600000000000000" pitchFamily="50" charset="-128"/>
                   <a:cs typeface="Courier New" pitchFamily="49" charset="0"/>
@@ -2538,7 +2440,7 @@
             </p:txBody>
           </p:sp>
         </mc:Choice>
-        <mc:Fallback xmlns="">
+        <mc:Fallback>
           <p:sp>
             <p:nvSpPr>
               <p:cNvPr id="129" name="テキスト ボックス 128"/>
@@ -2550,15 +2452,15 @@
             <p:spPr>
               <a:xfrm>
                 <a:off x="1007841" y="1612244"/>
-                <a:ext cx="227774" cy="228183"/>
+                <a:ext cx="209627" cy="205100"/>
               </a:xfrm>
               <a:prstGeom prst="rect">
                 <a:avLst/>
               </a:prstGeom>
               <a:blipFill rotWithShape="1">
-                <a:blip r:embed="rId5"/>
+                <a:blip r:embed="rId4"/>
                 <a:stretch>
-                  <a:fillRect b="-2632"/>
+                  <a:fillRect b="-2941"/>
                 </a:stretch>
               </a:blipFill>
               <a:ln w="19050" cap="rnd">
@@ -2592,8 +2494,8 @@
         </p:nvCxnSpPr>
         <p:spPr>
           <a:xfrm flipH="1">
-            <a:off x="1121728" y="1354042"/>
-            <a:ext cx="1068190" cy="258202"/>
+            <a:off x="1112655" y="1330959"/>
+            <a:ext cx="975215" cy="281285"/>
           </a:xfrm>
           <a:prstGeom prst="straightConnector1">
             <a:avLst/>
@@ -2631,8 +2533,8 @@
         </p:nvCxnSpPr>
         <p:spPr>
           <a:xfrm>
-            <a:off x="2189918" y="1354042"/>
-            <a:ext cx="1005152" cy="258201"/>
+            <a:off x="2087870" y="1330959"/>
+            <a:ext cx="1107200" cy="281284"/>
           </a:xfrm>
           <a:prstGeom prst="straightConnector1">
             <a:avLst/>
@@ -2663,14 +2565,14 @@
         <mc:Choice xmlns:a14="http://schemas.microsoft.com/office/drawing/2010/main" Requires="a14">
           <p:sp>
             <p:nvSpPr>
-              <p:cNvPr id="131" name="テキスト ボックス 130"/>
+              <p:cNvPr id="132" name="テキスト ボックス 131"/>
               <p:cNvSpPr txBox="1"/>
               <p:nvPr/>
             </p:nvSpPr>
             <p:spPr>
               <a:xfrm>
-                <a:off x="3136398" y="2481853"/>
-                <a:ext cx="243419" cy="228183"/>
+                <a:off x="557808" y="2205979"/>
+                <a:ext cx="971311" cy="366682"/>
               </a:xfrm>
               <a:prstGeom prst="rect">
                 <a:avLst/>
@@ -2695,17 +2597,77 @@
                     </m:oMathParaPr>
                     <m:oMath xmlns:m="http://schemas.openxmlformats.org/officeDocument/2006/math">
                       <m:r>
-                        <a:rPr lang="en-US" altLang="ja-JP" sz="1200" b="0" i="1" smtClean="0">
+                        <a:rPr lang="en-US" altLang="ja-JP" sz="1050" b="0" i="1" smtClean="0">
                           <a:latin typeface="Cambria Math"/>
                           <a:ea typeface="HG丸ｺﾞｼｯｸM-PRO" panose="020F0600000000000000" pitchFamily="50" charset="-128"/>
                           <a:cs typeface="Arial Unicode MS" panose="020B0604020202020204" pitchFamily="50" charset="-128"/>
                         </a:rPr>
-                        <m:t>𝐵</m:t>
+                        <m:t>𝑡</m:t>
                       </m:r>
+                      <m:r>
+                        <a:rPr lang="en-US" altLang="ja-JP" sz="1050" b="0" i="1" smtClean="0">
+                          <a:latin typeface="Cambria Math"/>
+                          <a:ea typeface="HG丸ｺﾞｼｯｸM-PRO" panose="020F0600000000000000" pitchFamily="50" charset="-128"/>
+                          <a:cs typeface="Arial Unicode MS" panose="020B0604020202020204" pitchFamily="50" charset="-128"/>
+                        </a:rPr>
+                        <m:t>:=</m:t>
+                      </m:r>
+                      <m:r>
+                        <a:rPr lang="en-US" altLang="ja-JP" sz="1050" b="0" i="1" smtClean="0">
+                          <a:latin typeface="Cambria Math"/>
+                          <a:ea typeface="Cambria Math"/>
+                          <a:cs typeface="Arial Unicode MS" panose="020B0604020202020204" pitchFamily="50" charset="-128"/>
+                        </a:rPr>
+                        <m:t>ℳ</m:t>
+                      </m:r>
+                      <m:d>
+                        <m:dPr>
+                          <m:ctrlPr>
+                            <a:rPr lang="en-US" altLang="ja-JP" sz="1050" b="0" i="1" smtClean="0">
+                              <a:latin typeface="Cambria Math"/>
+                              <a:ea typeface="Cambria Math"/>
+                              <a:cs typeface="Arial Unicode MS" panose="020B0604020202020204" pitchFamily="50" charset="-128"/>
+                            </a:rPr>
+                          </m:ctrlPr>
+                        </m:dPr>
+                        <m:e>
+                          <m:r>
+                            <a:rPr lang="en-US" altLang="ja-JP" sz="1050" b="0" i="1" smtClean="0">
+                              <a:latin typeface="Cambria Math"/>
+                              <a:ea typeface="Cambria Math"/>
+                              <a:cs typeface="Arial Unicode MS" panose="020B0604020202020204" pitchFamily="50" charset="-128"/>
+                            </a:rPr>
+                            <m:t>𝑘</m:t>
+                          </m:r>
+                          <m:r>
+                            <a:rPr lang="en-US" altLang="ja-JP" sz="1050" b="0" i="1" smtClean="0">
+                              <a:latin typeface="Cambria Math"/>
+                              <a:ea typeface="Cambria Math"/>
+                              <a:cs typeface="Arial Unicode MS" panose="020B0604020202020204" pitchFamily="50" charset="-128"/>
+                            </a:rPr>
+                            <m:t>,</m:t>
+                          </m:r>
+                          <m:r>
+                            <a:rPr lang="en-US" altLang="ja-JP" sz="1050" b="0" i="1" smtClean="0">
+                              <a:latin typeface="Cambria Math"/>
+                              <a:ea typeface="Cambria Math"/>
+                              <a:cs typeface="Arial Unicode MS" panose="020B0604020202020204" pitchFamily="50" charset="-128"/>
+                            </a:rPr>
+                            <m:t>𝑚</m:t>
+                          </m:r>
+                        </m:e>
+                      </m:d>
                     </m:oMath>
                   </m:oMathPara>
                 </a14:m>
-                <a:endParaRPr lang="ja-JP" altLang="en-US" sz="1200">
+                <a:endParaRPr lang="en-US" altLang="ja-JP" sz="1050" b="0" smtClean="0">
+                  <a:latin typeface="HG丸ｺﾞｼｯｸM-PRO" panose="020F0600000000000000" pitchFamily="50" charset="-128"/>
+                  <a:ea typeface="Cambria Math"/>
+                  <a:cs typeface="Arial Unicode MS" panose="020B0604020202020204" pitchFamily="50" charset="-128"/>
+                </a:endParaRPr>
+              </a:p>
+              <a:p>
+                <a:endParaRPr lang="ja-JP" altLang="en-US" sz="1050">
                   <a:latin typeface="HG丸ｺﾞｼｯｸM-PRO" panose="020F0600000000000000" pitchFamily="50" charset="-128"/>
                   <a:ea typeface="HG丸ｺﾞｼｯｸM-PRO" panose="020F0600000000000000" pitchFamily="50" charset="-128"/>
                   <a:cs typeface="Courier New" pitchFamily="49" charset="0"/>
@@ -2717,7 +2679,7 @@
         <mc:Fallback>
           <p:sp>
             <p:nvSpPr>
-              <p:cNvPr id="131" name="テキスト ボックス 130"/>
+              <p:cNvPr id="132" name="テキスト ボックス 131"/>
               <p:cNvSpPr txBox="1">
                 <a:spLocks noRot="1" noChangeAspect="1" noMove="1" noResize="1" noEditPoints="1" noAdjustHandles="1" noChangeArrowheads="1" noChangeShapeType="1" noTextEdit="1"/>
               </p:cNvSpPr>
@@ -2725,14 +2687,14 @@
             </p:nvSpPr>
             <p:spPr>
               <a:xfrm>
-                <a:off x="3136398" y="2481853"/>
-                <a:ext cx="243419" cy="228183"/>
+                <a:off x="557808" y="2205979"/>
+                <a:ext cx="971311" cy="366682"/>
               </a:xfrm>
               <a:prstGeom prst="rect">
                 <a:avLst/>
               </a:prstGeom>
               <a:blipFill rotWithShape="1">
-                <a:blip r:embed="rId7"/>
+                <a:blip r:embed="rId6"/>
                 <a:stretch>
                   <a:fillRect/>
                 </a:stretch>
@@ -2761,164 +2723,6 @@
         <mc:Choice xmlns:a14="http://schemas.microsoft.com/office/drawing/2010/main" Requires="a14">
           <p:sp>
             <p:nvSpPr>
-              <p:cNvPr id="132" name="テキスト ボックス 131"/>
-              <p:cNvSpPr txBox="1"/>
-              <p:nvPr/>
-            </p:nvSpPr>
-            <p:spPr>
-              <a:xfrm>
-                <a:off x="557808" y="2205979"/>
-                <a:ext cx="1106219" cy="412849"/>
-              </a:xfrm>
-              <a:prstGeom prst="rect">
-                <a:avLst/>
-              </a:prstGeom>
-              <a:noFill/>
-              <a:ln w="19050" cap="rnd">
-                <a:noFill/>
-                <a:prstDash val="sysDash"/>
-              </a:ln>
-            </p:spPr>
-            <p:txBody>
-              <a:bodyPr wrap="none" lIns="43094" tIns="21548" rIns="43094" bIns="21548" rtlCol="0">
-                <a:spAutoFit/>
-              </a:bodyPr>
-              <a:lstStyle/>
-              <a:p>
-                <a:pPr/>
-                <a14:m>
-                  <m:oMathPara xmlns:m="http://schemas.openxmlformats.org/officeDocument/2006/math">
-                    <m:oMathParaPr>
-                      <m:jc m:val="centerGroup"/>
-                    </m:oMathParaPr>
-                    <m:oMath xmlns:m="http://schemas.openxmlformats.org/officeDocument/2006/math">
-                      <m:r>
-                        <a:rPr lang="en-US" altLang="ja-JP" sz="1200" b="0" i="1" smtClean="0">
-                          <a:latin typeface="Cambria Math"/>
-                          <a:ea typeface="HG丸ｺﾞｼｯｸM-PRO" panose="020F0600000000000000" pitchFamily="50" charset="-128"/>
-                          <a:cs typeface="Arial Unicode MS" panose="020B0604020202020204" pitchFamily="50" charset="-128"/>
-                        </a:rPr>
-                        <m:t>𝑡</m:t>
-                      </m:r>
-                      <m:r>
-                        <a:rPr lang="en-US" altLang="ja-JP" sz="1200" b="0" i="1" smtClean="0">
-                          <a:latin typeface="Cambria Math"/>
-                          <a:ea typeface="HG丸ｺﾞｼｯｸM-PRO" panose="020F0600000000000000" pitchFamily="50" charset="-128"/>
-                          <a:cs typeface="Arial Unicode MS" panose="020B0604020202020204" pitchFamily="50" charset="-128"/>
-                        </a:rPr>
-                        <m:t>:=</m:t>
-                      </m:r>
-                      <m:r>
-                        <a:rPr lang="en-US" altLang="ja-JP" sz="1200" b="0" i="1" smtClean="0">
-                          <a:latin typeface="Cambria Math"/>
-                          <a:ea typeface="Cambria Math"/>
-                          <a:cs typeface="Arial Unicode MS" panose="020B0604020202020204" pitchFamily="50" charset="-128"/>
-                        </a:rPr>
-                        <m:t>ℳ</m:t>
-                      </m:r>
-                      <m:d>
-                        <m:dPr>
-                          <m:ctrlPr>
-                            <a:rPr lang="en-US" altLang="ja-JP" sz="1200" b="0" i="1" smtClean="0">
-                              <a:latin typeface="Cambria Math"/>
-                              <a:ea typeface="Cambria Math"/>
-                              <a:cs typeface="Arial Unicode MS" panose="020B0604020202020204" pitchFamily="50" charset="-128"/>
-                            </a:rPr>
-                          </m:ctrlPr>
-                        </m:dPr>
-                        <m:e>
-                          <m:r>
-                            <a:rPr lang="en-US" altLang="ja-JP" sz="1200" b="0" i="1" smtClean="0">
-                              <a:latin typeface="Cambria Math"/>
-                              <a:ea typeface="Cambria Math"/>
-                              <a:cs typeface="Arial Unicode MS" panose="020B0604020202020204" pitchFamily="50" charset="-128"/>
-                            </a:rPr>
-                            <m:t>𝑘</m:t>
-                          </m:r>
-                          <m:r>
-                            <a:rPr lang="en-US" altLang="ja-JP" sz="1200" b="0" i="1" smtClean="0">
-                              <a:latin typeface="Cambria Math"/>
-                              <a:ea typeface="Cambria Math"/>
-                              <a:cs typeface="Arial Unicode MS" panose="020B0604020202020204" pitchFamily="50" charset="-128"/>
-                            </a:rPr>
-                            <m:t>,</m:t>
-                          </m:r>
-                          <m:r>
-                            <a:rPr lang="en-US" altLang="ja-JP" sz="1200" b="0" i="1" smtClean="0">
-                              <a:latin typeface="Cambria Math"/>
-                              <a:ea typeface="Cambria Math"/>
-                              <a:cs typeface="Arial Unicode MS" panose="020B0604020202020204" pitchFamily="50" charset="-128"/>
-                            </a:rPr>
-                            <m:t>𝑚</m:t>
-                          </m:r>
-                        </m:e>
-                      </m:d>
-                    </m:oMath>
-                  </m:oMathPara>
-                </a14:m>
-                <a:endParaRPr lang="en-US" altLang="ja-JP" sz="1200" b="0" smtClean="0">
-                  <a:latin typeface="HG丸ｺﾞｼｯｸM-PRO" panose="020F0600000000000000" pitchFamily="50" charset="-128"/>
-                  <a:ea typeface="Cambria Math"/>
-                  <a:cs typeface="Arial Unicode MS" panose="020B0604020202020204" pitchFamily="50" charset="-128"/>
-                </a:endParaRPr>
-              </a:p>
-              <a:p>
-                <a:endParaRPr lang="ja-JP" altLang="en-US" sz="1200">
-                  <a:latin typeface="HG丸ｺﾞｼｯｸM-PRO" panose="020F0600000000000000" pitchFamily="50" charset="-128"/>
-                  <a:ea typeface="HG丸ｺﾞｼｯｸM-PRO" panose="020F0600000000000000" pitchFamily="50" charset="-128"/>
-                  <a:cs typeface="Courier New" pitchFamily="49" charset="0"/>
-                </a:endParaRPr>
-              </a:p>
-            </p:txBody>
-          </p:sp>
-        </mc:Choice>
-        <mc:Fallback>
-          <p:sp>
-            <p:nvSpPr>
-              <p:cNvPr id="132" name="テキスト ボックス 131"/>
-              <p:cNvSpPr txBox="1">
-                <a:spLocks noRot="1" noChangeAspect="1" noMove="1" noResize="1" noEditPoints="1" noAdjustHandles="1" noChangeArrowheads="1" noChangeShapeType="1" noTextEdit="1"/>
-              </p:cNvSpPr>
-              <p:nvPr/>
-            </p:nvSpPr>
-            <p:spPr>
-              <a:xfrm>
-                <a:off x="557808" y="2205979"/>
-                <a:ext cx="1106219" cy="412849"/>
-              </a:xfrm>
-              <a:prstGeom prst="rect">
-                <a:avLst/>
-              </a:prstGeom>
-              <a:blipFill rotWithShape="1">
-                <a:blip r:embed="rId8"/>
-                <a:stretch>
-                  <a:fillRect/>
-                </a:stretch>
-              </a:blipFill>
-              <a:ln w="19050" cap="rnd">
-                <a:noFill/>
-                <a:prstDash val="sysDash"/>
-              </a:ln>
-            </p:spPr>
-            <p:txBody>
-              <a:bodyPr/>
-              <a:lstStyle/>
-              <a:p>
-                <a:r>
-                  <a:rPr lang="ja-JP" altLang="en-US">
-                    <a:noFill/>
-                  </a:rPr>
-                  <a:t> </a:t>
-                </a:r>
-              </a:p>
-            </p:txBody>
-          </p:sp>
-        </mc:Fallback>
-      </mc:AlternateContent>
-      <mc:AlternateContent xmlns:mc="http://schemas.openxmlformats.org/markup-compatibility/2006" xmlns:a14="http://schemas.microsoft.com/office/drawing/2010/main">
-        <mc:Choice Requires="a14">
-          <p:sp>
-            <p:nvSpPr>
               <p:cNvPr id="133" name="テキスト ボックス 132"/>
               <p:cNvSpPr txBox="1"/>
               <p:nvPr/>
@@ -2926,7 +2730,7 @@
             <p:spPr>
               <a:xfrm>
                 <a:off x="1721777" y="2091887"/>
-                <a:ext cx="930209" cy="228183"/>
+                <a:ext cx="823578" cy="205100"/>
               </a:xfrm>
               <a:prstGeom prst="rect">
                 <a:avLst/>
@@ -2946,7 +2750,7 @@
                 <a14:m>
                   <m:oMath xmlns:m="http://schemas.openxmlformats.org/officeDocument/2006/math">
                     <m:r>
-                      <a:rPr lang="en-US" altLang="ja-JP" sz="1200" b="0" i="1" smtClean="0">
+                      <a:rPr lang="en-US" altLang="ja-JP" sz="1050" b="0" i="1" smtClean="0">
                         <a:latin typeface="Cambria Math"/>
                         <a:ea typeface="HG丸ｺﾞｼｯｸM-PRO" panose="020F0600000000000000" pitchFamily="50" charset="-128"/>
                         <a:cs typeface="Arial Unicode MS" panose="020B0604020202020204" pitchFamily="50" charset="-128"/>
@@ -2954,7 +2758,7 @@
                       <m:t>(</m:t>
                     </m:r>
                     <m:r>
-                      <a:rPr lang="en-US" altLang="ja-JP" sz="1200" b="0" i="1" smtClean="0">
+                      <a:rPr lang="en-US" altLang="ja-JP" sz="1050" b="0" i="1" smtClean="0">
                         <a:latin typeface="Cambria Math"/>
                         <a:ea typeface="HG丸ｺﾞｼｯｸM-PRO" panose="020F0600000000000000" pitchFamily="50" charset="-128"/>
                         <a:cs typeface="Arial Unicode MS" panose="020B0604020202020204" pitchFamily="50" charset="-128"/>
@@ -2962,7 +2766,7 @@
                       <m:t>𝑚</m:t>
                     </m:r>
                     <m:r>
-                      <a:rPr lang="en-US" altLang="ja-JP" sz="1200" b="0" i="1" smtClean="0">
+                      <a:rPr lang="en-US" altLang="ja-JP" sz="1050" b="0" i="1" smtClean="0">
                         <a:latin typeface="Cambria Math"/>
                         <a:ea typeface="HG丸ｺﾞｼｯｸM-PRO" panose="020F0600000000000000" pitchFamily="50" charset="-128"/>
                         <a:cs typeface="Arial Unicode MS" panose="020B0604020202020204" pitchFamily="50" charset="-128"/>
@@ -2970,7 +2774,7 @@
                       <m:t>,</m:t>
                     </m:r>
                     <m:r>
-                      <a:rPr lang="en-US" altLang="ja-JP" sz="1200" b="0" i="1" smtClean="0">
+                      <a:rPr lang="en-US" altLang="ja-JP" sz="1050" b="0" i="1" smtClean="0">
                         <a:latin typeface="Cambria Math"/>
                         <a:ea typeface="HG丸ｺﾞｼｯｸM-PRO" panose="020F0600000000000000" pitchFamily="50" charset="-128"/>
                         <a:cs typeface="Arial Unicode MS" panose="020B0604020202020204" pitchFamily="50" charset="-128"/>
@@ -2978,7 +2782,7 @@
                       <m:t>𝑡</m:t>
                     </m:r>
                     <m:r>
-                      <a:rPr lang="en-US" altLang="ja-JP" sz="1200" b="0" i="1" smtClean="0">
+                      <a:rPr lang="en-US" altLang="ja-JP" sz="1050" b="0" i="1" smtClean="0">
                         <a:latin typeface="Cambria Math"/>
                         <a:ea typeface="HG丸ｺﾞｼｯｸM-PRO" panose="020F0600000000000000" pitchFamily="50" charset="-128"/>
                         <a:cs typeface="Arial Unicode MS" panose="020B0604020202020204" pitchFamily="50" charset="-128"/>
@@ -2988,14 +2792,14 @@
                   </m:oMath>
                 </a14:m>
                 <a:r>
-                  <a:rPr lang="ja-JP" altLang="en-US" sz="1200" smtClean="0">
+                  <a:rPr lang="ja-JP" altLang="en-US" sz="1050" smtClean="0">
                     <a:latin typeface="HG丸ｺﾞｼｯｸM-PRO" panose="020F0600000000000000" pitchFamily="50" charset="-128"/>
                     <a:ea typeface="HG丸ｺﾞｼｯｸM-PRO" panose="020F0600000000000000" pitchFamily="50" charset="-128"/>
                     <a:cs typeface="Courier New" pitchFamily="49" charset="0"/>
                   </a:rPr>
                   <a:t>を送る</a:t>
                 </a:r>
-                <a:endParaRPr lang="ja-JP" altLang="en-US" sz="1200">
+                <a:endParaRPr lang="ja-JP" altLang="en-US" sz="1050">
                   <a:latin typeface="HG丸ｺﾞｼｯｸM-PRO" panose="020F0600000000000000" pitchFamily="50" charset="-128"/>
                   <a:ea typeface="HG丸ｺﾞｼｯｸM-PRO" panose="020F0600000000000000" pitchFamily="50" charset="-128"/>
                   <a:cs typeface="Courier New" pitchFamily="49" charset="0"/>
@@ -3004,7 +2808,7 @@
             </p:txBody>
           </p:sp>
         </mc:Choice>
-        <mc:Fallback xmlns="">
+        <mc:Fallback>
           <p:sp>
             <p:nvSpPr>
               <p:cNvPr id="133" name="テキスト ボックス 132"/>
@@ -3016,15 +2820,15 @@
             <p:spPr>
               <a:xfrm>
                 <a:off x="1721777" y="2091887"/>
-                <a:ext cx="930209" cy="228183"/>
+                <a:ext cx="823578" cy="205100"/>
               </a:xfrm>
               <a:prstGeom prst="rect">
                 <a:avLst/>
               </a:prstGeom>
               <a:blipFill rotWithShape="1">
-                <a:blip r:embed="rId9"/>
+                <a:blip r:embed="rId7"/>
                 <a:stretch>
-                  <a:fillRect l="-3268" t="-10526" r="-4575" b="-28947"/>
+                  <a:fillRect l="-2206" t="-8824" r="-3676" b="-26471"/>
                 </a:stretch>
               </a:blipFill>
               <a:ln w="19050" cap="rnd">
@@ -3094,7 +2898,7 @@
             <p:spPr>
               <a:xfrm>
                 <a:off x="2718048" y="2225179"/>
-                <a:ext cx="936104" cy="228183"/>
+                <a:ext cx="936104" cy="212794"/>
               </a:xfrm>
               <a:prstGeom prst="rect">
                 <a:avLst/>
@@ -3119,7 +2923,7 @@
                     </m:oMathParaPr>
                     <m:oMath xmlns:m="http://schemas.openxmlformats.org/officeDocument/2006/math">
                       <m:r>
-                        <a:rPr lang="en-US" altLang="ja-JP" sz="1200" b="0" i="1" smtClean="0">
+                        <a:rPr lang="en-US" altLang="ja-JP" sz="1050" b="0" i="1" smtClean="0">
                           <a:latin typeface="Cambria Math"/>
                           <a:ea typeface="HG丸ｺﾞｼｯｸM-PRO" panose="020F0600000000000000" pitchFamily="50" charset="-128"/>
                           <a:cs typeface="Courier New" pitchFamily="49" charset="0"/>
@@ -3127,7 +2931,7 @@
                         <m:t>𝑡</m:t>
                       </m:r>
                       <m:r>
-                        <a:rPr lang="en-US" altLang="ja-JP" sz="1200" b="0" i="1" smtClean="0">
+                        <a:rPr lang="en-US" altLang="ja-JP" sz="1050" b="0" i="1" smtClean="0">
                           <a:latin typeface="Cambria Math"/>
                           <a:ea typeface="HG丸ｺﾞｼｯｸM-PRO" panose="020F0600000000000000" pitchFamily="50" charset="-128"/>
                           <a:cs typeface="Courier New" pitchFamily="49" charset="0"/>
@@ -3135,7 +2939,7 @@
                         <m:t>=</m:t>
                       </m:r>
                       <m:r>
-                        <a:rPr lang="en-US" altLang="ja-JP" sz="1200" b="0" i="1" smtClean="0">
+                        <a:rPr lang="en-US" altLang="ja-JP" sz="1050" b="0" i="1" smtClean="0">
                           <a:latin typeface="Cambria Math"/>
                           <a:ea typeface="HG丸ｺﾞｼｯｸM-PRO" panose="020F0600000000000000" pitchFamily="50" charset="-128"/>
                           <a:cs typeface="Courier New" pitchFamily="49" charset="0"/>
@@ -3143,7 +2947,7 @@
                         <m:t>ℳ</m:t>
                       </m:r>
                       <m:r>
-                        <a:rPr lang="en-US" altLang="ja-JP" sz="1200" b="0" i="1" smtClean="0">
+                        <a:rPr lang="en-US" altLang="ja-JP" sz="1050" b="0" i="1" smtClean="0">
                           <a:latin typeface="Cambria Math"/>
                           <a:ea typeface="HG丸ｺﾞｼｯｸM-PRO" panose="020F0600000000000000" pitchFamily="50" charset="-128"/>
                           <a:cs typeface="Courier New" pitchFamily="49" charset="0"/>
@@ -3151,7 +2955,7 @@
                         <m:t>(</m:t>
                       </m:r>
                       <m:r>
-                        <a:rPr lang="en-US" altLang="ja-JP" sz="1200" b="0" i="1" smtClean="0">
+                        <a:rPr lang="en-US" altLang="ja-JP" sz="1050" b="0" i="1" smtClean="0">
                           <a:latin typeface="Cambria Math"/>
                           <a:ea typeface="HG丸ｺﾞｼｯｸM-PRO" panose="020F0600000000000000" pitchFamily="50" charset="-128"/>
                           <a:cs typeface="Courier New" pitchFamily="49" charset="0"/>
@@ -3159,7 +2963,7 @@
                         <m:t>𝑘</m:t>
                       </m:r>
                       <m:r>
-                        <a:rPr lang="en-US" altLang="ja-JP" sz="1200" b="0" i="1" smtClean="0">
+                        <a:rPr lang="en-US" altLang="ja-JP" sz="1050" b="0" i="1" smtClean="0">
                           <a:latin typeface="Cambria Math"/>
                           <a:ea typeface="HG丸ｺﾞｼｯｸM-PRO" panose="020F0600000000000000" pitchFamily="50" charset="-128"/>
                           <a:cs typeface="Courier New" pitchFamily="49" charset="0"/>
@@ -3167,7 +2971,7 @@
                         <m:t>,</m:t>
                       </m:r>
                       <m:r>
-                        <a:rPr lang="en-US" altLang="ja-JP" sz="1200" b="0" i="1" smtClean="0">
+                        <a:rPr lang="en-US" altLang="ja-JP" sz="1050" b="0" i="1" smtClean="0">
                           <a:latin typeface="Cambria Math"/>
                           <a:ea typeface="HG丸ｺﾞｼｯｸM-PRO" panose="020F0600000000000000" pitchFamily="50" charset="-128"/>
                           <a:cs typeface="Courier New" pitchFamily="49" charset="0"/>
@@ -3175,7 +2979,7 @@
                         <m:t>𝑚</m:t>
                       </m:r>
                       <m:r>
-                        <a:rPr lang="en-US" altLang="ja-JP" sz="1200" b="0" i="1" smtClean="0">
+                        <a:rPr lang="en-US" altLang="ja-JP" sz="1050" b="0" i="1" smtClean="0">
                           <a:latin typeface="Cambria Math"/>
                           <a:ea typeface="HG丸ｺﾞｼｯｸM-PRO" panose="020F0600000000000000" pitchFamily="50" charset="-128"/>
                           <a:cs typeface="Courier New" pitchFamily="49" charset="0"/>
@@ -3185,7 +2989,7 @@
                     </m:oMath>
                   </m:oMathPara>
                 </a14:m>
-                <a:endParaRPr lang="ja-JP" altLang="en-US" sz="1200">
+                <a:endParaRPr lang="ja-JP" altLang="en-US" sz="1050">
                   <a:latin typeface="HG丸ｺﾞｼｯｸM-PRO" panose="020F0600000000000000" pitchFamily="50" charset="-128"/>
                   <a:ea typeface="HG丸ｺﾞｼｯｸM-PRO" panose="020F0600000000000000" pitchFamily="50" charset="-128"/>
                   <a:cs typeface="Courier New" pitchFamily="49" charset="0"/>
@@ -3206,15 +3010,15 @@
             <p:spPr>
               <a:xfrm>
                 <a:off x="2718048" y="2225179"/>
-                <a:ext cx="936104" cy="228183"/>
+                <a:ext cx="936104" cy="212794"/>
               </a:xfrm>
               <a:prstGeom prst="rect">
                 <a:avLst/>
               </a:prstGeom>
               <a:blipFill rotWithShape="1">
-                <a:blip r:embed="rId10"/>
+                <a:blip r:embed="rId8"/>
                 <a:stretch>
-                  <a:fillRect r="-2614" b="-27027"/>
+                  <a:fillRect b="-17143"/>
                 </a:stretch>
               </a:blipFill>
               <a:ln w="19050" cap="rnd">
@@ -3280,7 +3084,7 @@
           <a:lstStyle/>
           <a:p>
             <a:pPr algn="ctr"/>
-            <a:endParaRPr kumimoji="1" lang="ja-JP" altLang="en-US"/>
+            <a:endParaRPr kumimoji="1" lang="ja-JP" altLang="en-US" sz="1050"/>
           </a:p>
         </p:txBody>
       </p:sp>
@@ -3327,7 +3131,7 @@
           <a:lstStyle/>
           <a:p>
             <a:pPr algn="ctr"/>
-            <a:endParaRPr kumimoji="1" lang="ja-JP" altLang="en-US"/>
+            <a:endParaRPr kumimoji="1" lang="ja-JP" altLang="en-US" sz="1050"/>
           </a:p>
         </p:txBody>
       </p:sp>
@@ -3380,8 +3184,8 @@
             </p:nvSpPr>
             <p:spPr>
               <a:xfrm>
-                <a:off x="2768374" y="2154042"/>
-                <a:ext cx="315652" cy="228183"/>
+                <a:off x="2807051" y="2154042"/>
+                <a:ext cx="315652" cy="212794"/>
               </a:xfrm>
               <a:prstGeom prst="rect">
                 <a:avLst/>
@@ -3406,7 +3210,7 @@
                     </m:oMathParaPr>
                     <m:oMath xmlns:m="http://schemas.openxmlformats.org/officeDocument/2006/math">
                       <m:r>
-                        <a:rPr lang="en-US" altLang="ja-JP" sz="1200" i="1" smtClean="0">
+                        <a:rPr lang="en-US" altLang="ja-JP" sz="1050" i="1" smtClean="0">
                           <a:latin typeface="Cambria Math"/>
                           <a:ea typeface="HG丸ｺﾞｼｯｸM-PRO" panose="020F0600000000000000" pitchFamily="50" charset="-128"/>
                           <a:cs typeface="Courier New" pitchFamily="49" charset="0"/>
@@ -3416,7 +3220,7 @@
                     </m:oMath>
                   </m:oMathPara>
                 </a14:m>
-                <a:endParaRPr lang="ja-JP" altLang="en-US" sz="1200">
+                <a:endParaRPr lang="ja-JP" altLang="en-US" sz="1050">
                   <a:latin typeface="HG丸ｺﾞｼｯｸM-PRO" panose="020F0600000000000000" pitchFamily="50" charset="-128"/>
                   <a:ea typeface="HG丸ｺﾞｼｯｸM-PRO" panose="020F0600000000000000" pitchFamily="50" charset="-128"/>
                   <a:cs typeface="Courier New" pitchFamily="49" charset="0"/>
@@ -3436,14 +3240,14 @@
             </p:nvSpPr>
             <p:spPr>
               <a:xfrm>
-                <a:off x="2768374" y="2154042"/>
-                <a:ext cx="315652" cy="228183"/>
+                <a:off x="2807051" y="2154042"/>
+                <a:ext cx="315652" cy="212794"/>
               </a:xfrm>
               <a:prstGeom prst="rect">
                 <a:avLst/>
               </a:prstGeom>
               <a:blipFill rotWithShape="1">
-                <a:blip r:embed="rId11"/>
+                <a:blip r:embed="rId9"/>
                 <a:stretch>
                   <a:fillRect/>
                 </a:stretch>
@@ -3468,6 +3272,90 @@
           </p:sp>
         </mc:Fallback>
       </mc:AlternateContent>
+      <p:sp>
+        <p:nvSpPr>
+          <p:cNvPr id="19" name="テキスト ボックス 18"/>
+          <p:cNvSpPr txBox="1"/>
+          <p:nvPr/>
+        </p:nvSpPr>
+        <p:spPr>
+          <a:xfrm>
+            <a:off x="989856" y="2481853"/>
+            <a:ext cx="202446" cy="212794"/>
+          </a:xfrm>
+          <a:prstGeom prst="rect">
+            <a:avLst/>
+          </a:prstGeom>
+          <a:noFill/>
+          <a:ln w="19050" cap="rnd">
+            <a:noFill/>
+            <a:prstDash val="sysDash"/>
+          </a:ln>
+        </p:spPr>
+        <p:txBody>
+          <a:bodyPr wrap="none" lIns="43094" tIns="21548" rIns="43094" bIns="21548" rtlCol="0">
+            <a:spAutoFit/>
+          </a:bodyPr>
+          <a:lstStyle/>
+          <a:p>
+            <a:r>
+              <a:rPr lang="en-US" altLang="ja-JP" sz="1050" smtClean="0">
+                <a:latin typeface="HG丸ｺﾞｼｯｸM-PRO" panose="020F0600000000000000" pitchFamily="50" charset="-128"/>
+                <a:ea typeface="HG丸ｺﾞｼｯｸM-PRO" panose="020F0600000000000000" pitchFamily="50" charset="-128"/>
+                <a:cs typeface="Arial Unicode MS" panose="020B0604020202020204" pitchFamily="50" charset="-128"/>
+              </a:rPr>
+              <a:t>A</a:t>
+            </a:r>
+            <a:endParaRPr lang="ja-JP" altLang="en-US" sz="1050">
+              <a:latin typeface="HG丸ｺﾞｼｯｸM-PRO" panose="020F0600000000000000" pitchFamily="50" charset="-128"/>
+              <a:ea typeface="HG丸ｺﾞｼｯｸM-PRO" panose="020F0600000000000000" pitchFamily="50" charset="-128"/>
+              <a:cs typeface="Courier New" pitchFamily="49" charset="0"/>
+            </a:endParaRPr>
+          </a:p>
+        </p:txBody>
+      </p:sp>
+      <p:sp>
+        <p:nvSpPr>
+          <p:cNvPr id="20" name="テキスト ボックス 19"/>
+          <p:cNvSpPr txBox="1"/>
+          <p:nvPr/>
+        </p:nvSpPr>
+        <p:spPr>
+          <a:xfrm>
+            <a:off x="3150096" y="2494012"/>
+            <a:ext cx="188019" cy="205100"/>
+          </a:xfrm>
+          <a:prstGeom prst="rect">
+            <a:avLst/>
+          </a:prstGeom>
+          <a:noFill/>
+          <a:ln w="19050" cap="rnd">
+            <a:noFill/>
+            <a:prstDash val="sysDash"/>
+          </a:ln>
+        </p:spPr>
+        <p:txBody>
+          <a:bodyPr wrap="none" lIns="43094" tIns="21548" rIns="43094" bIns="21548" rtlCol="0">
+            <a:spAutoFit/>
+          </a:bodyPr>
+          <a:lstStyle/>
+          <a:p>
+            <a:r>
+              <a:rPr lang="en-US" altLang="ja-JP" sz="1050" smtClean="0">
+                <a:latin typeface="HG丸ｺﾞｼｯｸM-PRO" panose="020F0600000000000000" pitchFamily="50" charset="-128"/>
+                <a:ea typeface="HG丸ｺﾞｼｯｸM-PRO" panose="020F0600000000000000" pitchFamily="50" charset="-128"/>
+                <a:cs typeface="Arial Unicode MS" panose="020B0604020202020204" pitchFamily="50" charset="-128"/>
+              </a:rPr>
+              <a:t>B</a:t>
+            </a:r>
+            <a:endParaRPr lang="ja-JP" altLang="en-US" sz="1050">
+              <a:latin typeface="HG丸ｺﾞｼｯｸM-PRO" panose="020F0600000000000000" pitchFamily="50" charset="-128"/>
+              <a:ea typeface="HG丸ｺﾞｼｯｸM-PRO" panose="020F0600000000000000" pitchFamily="50" charset="-128"/>
+              <a:cs typeface="Courier New" pitchFamily="49" charset="0"/>
+            </a:endParaRPr>
+          </a:p>
+        </p:txBody>
+      </p:sp>
     </p:spTree>
     <p:extLst>
       <p:ext uri="{BB962C8B-B14F-4D97-AF65-F5344CB8AC3E}">
